--- a/Fitness Buddy.pptx
+++ b/Fitness Buddy.pptx
@@ -4845,12 +4845,30 @@
           <a:p>
             <a:r>
               <a:rPr lang="en-IN" sz="2800" dirty="0">
+                <a:solidFill>
+                  <a:schemeClr val="tx1"/>
+                </a:solidFill>
                 <a:latin typeface="Calibri" panose="020F0502020204030204" pitchFamily="34" charset="0"/>
                 <a:ea typeface="Calibri" panose="020F0502020204030204" pitchFamily="34" charset="0"/>
                 <a:cs typeface="Calibri" panose="020F0502020204030204" pitchFamily="34" charset="0"/>
+                <a:hlinkClick r:id="rId2" action="ppaction://hlinkfile">
+                  <a:extLst>
+                    <a:ext uri="{A12FA001-AC4F-418D-AE19-62706E023703}">
+                      <ahyp:hlinkClr xmlns:ahyp="http://schemas.microsoft.com/office/drawing/2018/hyperlinkcolor" val="tx"/>
+                    </a:ext>
+                  </a:extLst>
+                </a:hlinkClick>
               </a:rPr>
               <a:t>https://github.com/kishorwtf/Fitness-Buddy</a:t>
             </a:r>
+            <a:endParaRPr lang="en-IN" sz="2800" dirty="0">
+              <a:solidFill>
+                <a:schemeClr val="tx1"/>
+              </a:solidFill>
+              <a:latin typeface="Calibri" panose="020F0502020204030204" pitchFamily="34" charset="0"/>
+              <a:ea typeface="Calibri" panose="020F0502020204030204" pitchFamily="34" charset="0"/>
+              <a:cs typeface="Calibri" panose="020F0502020204030204" pitchFamily="34" charset="0"/>
+            </a:endParaRPr>
           </a:p>
         </p:txBody>
       </p:sp>
@@ -7109,23 +7127,6 @@
 </file>
 
 <file path=customXml/item1.xml><?xml version="1.0" encoding="utf-8"?>
-<?mso-contentType ?>
-<FormTemplates xmlns="http://schemas.microsoft.com/sharepoint/v3/contenttype/forms">
-  <Display>DocumentLibraryForm</Display>
-  <Edit>DocumentLibraryForm</Edit>
-  <New>DocumentLibraryForm</New>
-</FormTemplates>
-</file>
-
-<file path=customXml/item2.xml><?xml version="1.0" encoding="utf-8"?>
-<p:properties xmlns:p="http://schemas.microsoft.com/office/2006/metadata/properties" xmlns:xsi="http://www.w3.org/2001/XMLSchema-instance" xmlns:pc="http://schemas.microsoft.com/office/infopath/2007/PartnerControls">
-  <documentManagement>
-    <_activity xmlns="b30265f8-c5e2-4918-b4a1-b977299ca3e2" xsi:nil="true"/>
-  </documentManagement>
-</p:properties>
-</file>
-
-<file path=customXml/item3.xml><?xml version="1.0" encoding="utf-8"?>
 <ct:contentTypeSchema xmlns:ct="http://schemas.microsoft.com/office/2006/metadata/contentType" xmlns:ma="http://schemas.microsoft.com/office/2006/metadata/properties/metaAttributes" ct:_="" ma:_="" ma:contentTypeName="Document" ma:contentTypeID="0x0101007F0268AC5E70984D8FE60B7154176407" ma:contentTypeVersion="15" ma:contentTypeDescription="Create a new document." ma:contentTypeScope="" ma:versionID="104e359103f0f57b1cf9676756e5b944">
   <xsd:schema xmlns:xsd="http://www.w3.org/2001/XMLSchema" xmlns:xs="http://www.w3.org/2001/XMLSchema" xmlns:p="http://schemas.microsoft.com/office/2006/metadata/properties" xmlns:ns3="b30265f8-c5e2-4918-b4a1-b977299ca3e2" xmlns:ns4="fadb41d3-f9cb-40fb-903c-8cacaba95bb5" targetNamespace="http://schemas.microsoft.com/office/2006/metadata/properties" ma:root="true" ma:fieldsID="5615b8f8aa772998bad551f24a33de0e" ns3:_="" ns4:_="">
     <xsd:import namespace="b30265f8-c5e2-4918-b4a1-b977299ca3e2"/>
@@ -7358,10 +7359,38 @@
 </ct:contentTypeSchema>
 </file>
 
+<file path=customXml/item2.xml><?xml version="1.0" encoding="utf-8"?>
+<p:properties xmlns:p="http://schemas.microsoft.com/office/2006/metadata/properties" xmlns:xsi="http://www.w3.org/2001/XMLSchema-instance" xmlns:pc="http://schemas.microsoft.com/office/infopath/2007/PartnerControls">
+  <documentManagement>
+    <_activity xmlns="b30265f8-c5e2-4918-b4a1-b977299ca3e2" xsi:nil="true"/>
+  </documentManagement>
+</p:properties>
+</file>
+
+<file path=customXml/item3.xml><?xml version="1.0" encoding="utf-8"?>
+<?mso-contentType ?>
+<FormTemplates xmlns="http://schemas.microsoft.com/sharepoint/v3/contenttype/forms">
+  <Display>DocumentLibraryForm</Display>
+  <Edit>DocumentLibraryForm</Edit>
+  <New>DocumentLibraryForm</New>
+</FormTemplates>
+</file>
+
 <file path=customXml/itemProps1.xml><?xml version="1.0" encoding="utf-8"?>
-<ds:datastoreItem xmlns:ds="http://schemas.openxmlformats.org/officeDocument/2006/customXml" ds:itemID="{927BD4C1-B6B1-4715-ABF9-E660A51A4EA0}">
+<ds:datastoreItem xmlns:ds="http://schemas.openxmlformats.org/officeDocument/2006/customXml" ds:itemID="{9DD71778-17EE-4151-88AE-C8F4E8043BD9}">
   <ds:schemaRefs>
-    <ds:schemaRef ds:uri="http://schemas.microsoft.com/sharepoint/v3/contenttype/forms"/>
+    <ds:schemaRef ds:uri="http://schemas.microsoft.com/office/2006/metadata/contentType"/>
+    <ds:schemaRef ds:uri="http://schemas.microsoft.com/office/2006/metadata/properties/metaAttributes"/>
+    <ds:schemaRef ds:uri="http://www.w3.org/2001/XMLSchema"/>
+    <ds:schemaRef ds:uri="http://schemas.microsoft.com/office/2006/metadata/properties"/>
+    <ds:schemaRef ds:uri="b30265f8-c5e2-4918-b4a1-b977299ca3e2"/>
+    <ds:schemaRef ds:uri="fadb41d3-f9cb-40fb-903c-8cacaba95bb5"/>
+    <ds:schemaRef ds:uri="http://schemas.microsoft.com/office/2006/documentManagement/types"/>
+    <ds:schemaRef ds:uri="http://schemas.microsoft.com/office/infopath/2007/PartnerControls"/>
+    <ds:schemaRef ds:uri="http://schemas.openxmlformats.org/package/2006/metadata/core-properties"/>
+    <ds:schemaRef ds:uri="http://purl.org/dc/elements/1.1/"/>
+    <ds:schemaRef ds:uri="http://purl.org/dc/terms/"/>
+    <ds:schemaRef ds:uri="http://schemas.microsoft.com/internal/obd"/>
   </ds:schemaRefs>
 </ds:datastoreItem>
 </file>
@@ -7384,20 +7413,9 @@
 </file>
 
 <file path=customXml/itemProps3.xml><?xml version="1.0" encoding="utf-8"?>
-<ds:datastoreItem xmlns:ds="http://schemas.openxmlformats.org/officeDocument/2006/customXml" ds:itemID="{9DD71778-17EE-4151-88AE-C8F4E8043BD9}">
+<ds:datastoreItem xmlns:ds="http://schemas.openxmlformats.org/officeDocument/2006/customXml" ds:itemID="{927BD4C1-B6B1-4715-ABF9-E660A51A4EA0}">
   <ds:schemaRefs>
-    <ds:schemaRef ds:uri="http://schemas.microsoft.com/office/2006/metadata/contentType"/>
-    <ds:schemaRef ds:uri="http://schemas.microsoft.com/office/2006/metadata/properties/metaAttributes"/>
-    <ds:schemaRef ds:uri="http://www.w3.org/2001/XMLSchema"/>
-    <ds:schemaRef ds:uri="http://schemas.microsoft.com/office/2006/metadata/properties"/>
-    <ds:schemaRef ds:uri="b30265f8-c5e2-4918-b4a1-b977299ca3e2"/>
-    <ds:schemaRef ds:uri="fadb41d3-f9cb-40fb-903c-8cacaba95bb5"/>
-    <ds:schemaRef ds:uri="http://schemas.microsoft.com/office/2006/documentManagement/types"/>
-    <ds:schemaRef ds:uri="http://schemas.microsoft.com/office/infopath/2007/PartnerControls"/>
-    <ds:schemaRef ds:uri="http://schemas.openxmlformats.org/package/2006/metadata/core-properties"/>
-    <ds:schemaRef ds:uri="http://purl.org/dc/elements/1.1/"/>
-    <ds:schemaRef ds:uri="http://purl.org/dc/terms/"/>
-    <ds:schemaRef ds:uri="http://schemas.microsoft.com/internal/obd"/>
+    <ds:schemaRef ds:uri="http://schemas.microsoft.com/sharepoint/v3/contenttype/forms"/>
   </ds:schemaRefs>
 </ds:datastoreItem>
 </file>
--- a/Fitness Buddy.pptx
+++ b/Fitness Buddy.pptx
@@ -5,7 +5,7 @@
     <p:sldMasterId id="2147483712" r:id="rId4"/>
   </p:sldMasterIdLst>
   <p:notesMasterIdLst>
-    <p:notesMasterId r:id="rId21"/>
+    <p:notesMasterId r:id="rId23"/>
   </p:notesMasterIdLst>
   <p:sldIdLst>
     <p:sldId id="256" r:id="rId5"/>
@@ -23,7 +23,9 @@
     <p:sldId id="2146847061" r:id="rId17"/>
     <p:sldId id="2146847055" r:id="rId18"/>
     <p:sldId id="2146847059" r:id="rId19"/>
-    <p:sldId id="259" r:id="rId20"/>
+    <p:sldId id="2146847069" r:id="rId20"/>
+    <p:sldId id="2146847070" r:id="rId21"/>
+    <p:sldId id="259" r:id="rId22"/>
   </p:sldIdLst>
   <p:sldSz cx="12192000" cy="6858000"/>
   <p:notesSz cx="6858000" cy="9144000"/>
@@ -5243,6 +5245,202 @@
 </file>
 
 <file path=ppt/slides/slide16.xml><?xml version="1.0" encoding="utf-8"?>
+<p:sld xmlns:a="http://schemas.openxmlformats.org/drawingml/2006/main" xmlns:r="http://schemas.openxmlformats.org/officeDocument/2006/relationships" xmlns:p="http://schemas.openxmlformats.org/presentationml/2006/main">
+  <p:cSld>
+    <p:spTree>
+      <p:nvGrpSpPr>
+        <p:cNvPr id="1" name="">
+          <a:extLst>
+            <a:ext uri="{FF2B5EF4-FFF2-40B4-BE49-F238E27FC236}">
+              <a16:creationId xmlns:a16="http://schemas.microsoft.com/office/drawing/2014/main" id="{D4A9FAEE-3E27-86FC-43D8-473769BB1553}"/>
+            </a:ext>
+          </a:extLst>
+        </p:cNvPr>
+        <p:cNvGrpSpPr/>
+        <p:nvPr/>
+      </p:nvGrpSpPr>
+      <p:grpSpPr>
+        <a:xfrm>
+          <a:off x="0" y="0"/>
+          <a:ext cx="0" cy="0"/>
+          <a:chOff x="0" y="0"/>
+          <a:chExt cx="0" cy="0"/>
+        </a:xfrm>
+      </p:grpSpPr>
+      <p:sp>
+        <p:nvSpPr>
+          <p:cNvPr id="2" name="Title 1">
+            <a:extLst>
+              <a:ext uri="{FF2B5EF4-FFF2-40B4-BE49-F238E27FC236}">
+                <a16:creationId xmlns:a16="http://schemas.microsoft.com/office/drawing/2014/main" id="{3D496F74-0FD8-64D4-3AB5-3C81805627A8}"/>
+              </a:ext>
+            </a:extLst>
+          </p:cNvPr>
+          <p:cNvSpPr>
+            <a:spLocks noGrp="1"/>
+          </p:cNvSpPr>
+          <p:nvPr>
+            <p:ph type="title"/>
+          </p:nvPr>
+        </p:nvSpPr>
+        <p:spPr/>
+        <p:txBody>
+          <a:bodyPr/>
+          <a:lstStyle/>
+          <a:p>
+            <a:r>
+              <a:rPr lang="en-IN" dirty="0">
+                <a:solidFill>
+                  <a:schemeClr val="accent1"/>
+                </a:solidFill>
+              </a:rPr>
+              <a:t>IBM Certifications</a:t>
+            </a:r>
+          </a:p>
+        </p:txBody>
+      </p:sp>
+      <p:pic>
+        <p:nvPicPr>
+          <p:cNvPr id="7" name="Picture 6">
+            <a:extLst>
+              <a:ext uri="{FF2B5EF4-FFF2-40B4-BE49-F238E27FC236}">
+                <a16:creationId xmlns:a16="http://schemas.microsoft.com/office/drawing/2014/main" id="{A7309433-8F11-291D-A7EC-67BE398A6344}"/>
+              </a:ext>
+            </a:extLst>
+          </p:cNvPr>
+          <p:cNvPicPr>
+            <a:picLocks noChangeAspect="1"/>
+          </p:cNvPicPr>
+          <p:nvPr/>
+        </p:nvPicPr>
+        <p:blipFill>
+          <a:blip r:embed="rId2"/>
+          <a:stretch>
+            <a:fillRect/>
+          </a:stretch>
+        </p:blipFill>
+        <p:spPr>
+          <a:xfrm>
+            <a:off x="2697841" y="1232452"/>
+            <a:ext cx="6796317" cy="5073773"/>
+          </a:xfrm>
+          <a:prstGeom prst="rect">
+            <a:avLst/>
+          </a:prstGeom>
+        </p:spPr>
+      </p:pic>
+    </p:spTree>
+    <p:extLst>
+      <p:ext uri="{BB962C8B-B14F-4D97-AF65-F5344CB8AC3E}">
+        <p14:creationId xmlns:p14="http://schemas.microsoft.com/office/powerpoint/2010/main" val="2097500896"/>
+      </p:ext>
+    </p:extLst>
+  </p:cSld>
+  <p:clrMapOvr>
+    <a:masterClrMapping/>
+  </p:clrMapOvr>
+</p:sld>
+</file>
+
+<file path=ppt/slides/slide17.xml><?xml version="1.0" encoding="utf-8"?>
+<p:sld xmlns:a="http://schemas.openxmlformats.org/drawingml/2006/main" xmlns:r="http://schemas.openxmlformats.org/officeDocument/2006/relationships" xmlns:p="http://schemas.openxmlformats.org/presentationml/2006/main">
+  <p:cSld>
+    <p:spTree>
+      <p:nvGrpSpPr>
+        <p:cNvPr id="1" name="">
+          <a:extLst>
+            <a:ext uri="{FF2B5EF4-FFF2-40B4-BE49-F238E27FC236}">
+              <a16:creationId xmlns:a16="http://schemas.microsoft.com/office/drawing/2014/main" id="{F4345145-442E-BF5B-9A59-CED14804E6F4}"/>
+            </a:ext>
+          </a:extLst>
+        </p:cNvPr>
+        <p:cNvGrpSpPr/>
+        <p:nvPr/>
+      </p:nvGrpSpPr>
+      <p:grpSpPr>
+        <a:xfrm>
+          <a:off x="0" y="0"/>
+          <a:ext cx="0" cy="0"/>
+          <a:chOff x="0" y="0"/>
+          <a:chExt cx="0" cy="0"/>
+        </a:xfrm>
+      </p:grpSpPr>
+      <p:sp>
+        <p:nvSpPr>
+          <p:cNvPr id="2" name="Title 1">
+            <a:extLst>
+              <a:ext uri="{FF2B5EF4-FFF2-40B4-BE49-F238E27FC236}">
+                <a16:creationId xmlns:a16="http://schemas.microsoft.com/office/drawing/2014/main" id="{82AFDB89-2AB4-6506-DE0B-43A45F516E2C}"/>
+              </a:ext>
+            </a:extLst>
+          </p:cNvPr>
+          <p:cNvSpPr>
+            <a:spLocks noGrp="1"/>
+          </p:cNvSpPr>
+          <p:nvPr>
+            <p:ph type="title"/>
+          </p:nvPr>
+        </p:nvSpPr>
+        <p:spPr/>
+        <p:txBody>
+          <a:bodyPr/>
+          <a:lstStyle/>
+          <a:p>
+            <a:r>
+              <a:rPr lang="en-IN" dirty="0">
+                <a:solidFill>
+                  <a:schemeClr val="accent1"/>
+                </a:solidFill>
+              </a:rPr>
+              <a:t>IBM Certifications</a:t>
+            </a:r>
+          </a:p>
+        </p:txBody>
+      </p:sp>
+      <p:pic>
+        <p:nvPicPr>
+          <p:cNvPr id="4" name="Picture 3">
+            <a:extLst>
+              <a:ext uri="{FF2B5EF4-FFF2-40B4-BE49-F238E27FC236}">
+                <a16:creationId xmlns:a16="http://schemas.microsoft.com/office/drawing/2014/main" id="{0304F8EB-2E7F-4E1F-B4F4-D1B441932F96}"/>
+              </a:ext>
+            </a:extLst>
+          </p:cNvPr>
+          <p:cNvPicPr>
+            <a:picLocks noChangeAspect="1"/>
+          </p:cNvPicPr>
+          <p:nvPr/>
+        </p:nvPicPr>
+        <p:blipFill>
+          <a:blip r:embed="rId2"/>
+          <a:stretch>
+            <a:fillRect/>
+          </a:stretch>
+        </p:blipFill>
+        <p:spPr>
+          <a:xfrm>
+            <a:off x="2419047" y="1302026"/>
+            <a:ext cx="7353906" cy="4531253"/>
+          </a:xfrm>
+          <a:prstGeom prst="rect">
+            <a:avLst/>
+          </a:prstGeom>
+        </p:spPr>
+      </p:pic>
+    </p:spTree>
+    <p:extLst>
+      <p:ext uri="{BB962C8B-B14F-4D97-AF65-F5344CB8AC3E}">
+        <p14:creationId xmlns:p14="http://schemas.microsoft.com/office/powerpoint/2010/main" val="3427608265"/>
+      </p:ext>
+    </p:extLst>
+  </p:cSld>
+  <p:clrMapOvr>
+    <a:masterClrMapping/>
+  </p:clrMapOvr>
+</p:sld>
+</file>
+
+<file path=ppt/slides/slide18.xml><?xml version="1.0" encoding="utf-8"?>
 <p:sld xmlns:a="http://schemas.openxmlformats.org/drawingml/2006/main" xmlns:r="http://schemas.openxmlformats.org/officeDocument/2006/relationships" xmlns:p="http://schemas.openxmlformats.org/presentationml/2006/main">
   <p:cSld>
     <p:spTree>
@@ -7127,6 +7325,23 @@
 </file>
 
 <file path=customXml/item1.xml><?xml version="1.0" encoding="utf-8"?>
+<?mso-contentType ?>
+<FormTemplates xmlns="http://schemas.microsoft.com/sharepoint/v3/contenttype/forms">
+  <Display>DocumentLibraryForm</Display>
+  <Edit>DocumentLibraryForm</Edit>
+  <New>DocumentLibraryForm</New>
+</FormTemplates>
+</file>
+
+<file path=customXml/item2.xml><?xml version="1.0" encoding="utf-8"?>
+<p:properties xmlns:p="http://schemas.microsoft.com/office/2006/metadata/properties" xmlns:xsi="http://www.w3.org/2001/XMLSchema-instance" xmlns:pc="http://schemas.microsoft.com/office/infopath/2007/PartnerControls">
+  <documentManagement>
+    <_activity xmlns="b30265f8-c5e2-4918-b4a1-b977299ca3e2" xsi:nil="true"/>
+  </documentManagement>
+</p:properties>
+</file>
+
+<file path=customXml/item3.xml><?xml version="1.0" encoding="utf-8"?>
 <ct:contentTypeSchema xmlns:ct="http://schemas.microsoft.com/office/2006/metadata/contentType" xmlns:ma="http://schemas.microsoft.com/office/2006/metadata/properties/metaAttributes" ct:_="" ma:_="" ma:contentTypeName="Document" ma:contentTypeID="0x0101007F0268AC5E70984D8FE60B7154176407" ma:contentTypeVersion="15" ma:contentTypeDescription="Create a new document." ma:contentTypeScope="" ma:versionID="104e359103f0f57b1cf9676756e5b944">
   <xsd:schema xmlns:xsd="http://www.w3.org/2001/XMLSchema" xmlns:xs="http://www.w3.org/2001/XMLSchema" xmlns:p="http://schemas.microsoft.com/office/2006/metadata/properties" xmlns:ns3="b30265f8-c5e2-4918-b4a1-b977299ca3e2" xmlns:ns4="fadb41d3-f9cb-40fb-903c-8cacaba95bb5" targetNamespace="http://schemas.microsoft.com/office/2006/metadata/properties" ma:root="true" ma:fieldsID="5615b8f8aa772998bad551f24a33de0e" ns3:_="" ns4:_="">
     <xsd:import namespace="b30265f8-c5e2-4918-b4a1-b977299ca3e2"/>
@@ -7359,38 +7574,10 @@
 </ct:contentTypeSchema>
 </file>
 
-<file path=customXml/item2.xml><?xml version="1.0" encoding="utf-8"?>
-<p:properties xmlns:p="http://schemas.microsoft.com/office/2006/metadata/properties" xmlns:xsi="http://www.w3.org/2001/XMLSchema-instance" xmlns:pc="http://schemas.microsoft.com/office/infopath/2007/PartnerControls">
-  <documentManagement>
-    <_activity xmlns="b30265f8-c5e2-4918-b4a1-b977299ca3e2" xsi:nil="true"/>
-  </documentManagement>
-</p:properties>
-</file>
-
-<file path=customXml/item3.xml><?xml version="1.0" encoding="utf-8"?>
-<?mso-contentType ?>
-<FormTemplates xmlns="http://schemas.microsoft.com/sharepoint/v3/contenttype/forms">
-  <Display>DocumentLibraryForm</Display>
-  <Edit>DocumentLibraryForm</Edit>
-  <New>DocumentLibraryForm</New>
-</FormTemplates>
-</file>
-
 <file path=customXml/itemProps1.xml><?xml version="1.0" encoding="utf-8"?>
-<ds:datastoreItem xmlns:ds="http://schemas.openxmlformats.org/officeDocument/2006/customXml" ds:itemID="{9DD71778-17EE-4151-88AE-C8F4E8043BD9}">
+<ds:datastoreItem xmlns:ds="http://schemas.openxmlformats.org/officeDocument/2006/customXml" ds:itemID="{927BD4C1-B6B1-4715-ABF9-E660A51A4EA0}">
   <ds:schemaRefs>
-    <ds:schemaRef ds:uri="http://schemas.microsoft.com/office/2006/metadata/contentType"/>
-    <ds:schemaRef ds:uri="http://schemas.microsoft.com/office/2006/metadata/properties/metaAttributes"/>
-    <ds:schemaRef ds:uri="http://www.w3.org/2001/XMLSchema"/>
-    <ds:schemaRef ds:uri="http://schemas.microsoft.com/office/2006/metadata/properties"/>
-    <ds:schemaRef ds:uri="b30265f8-c5e2-4918-b4a1-b977299ca3e2"/>
-    <ds:schemaRef ds:uri="fadb41d3-f9cb-40fb-903c-8cacaba95bb5"/>
-    <ds:schemaRef ds:uri="http://schemas.microsoft.com/office/2006/documentManagement/types"/>
-    <ds:schemaRef ds:uri="http://schemas.microsoft.com/office/infopath/2007/PartnerControls"/>
-    <ds:schemaRef ds:uri="http://schemas.openxmlformats.org/package/2006/metadata/core-properties"/>
-    <ds:schemaRef ds:uri="http://purl.org/dc/elements/1.1/"/>
-    <ds:schemaRef ds:uri="http://purl.org/dc/terms/"/>
-    <ds:schemaRef ds:uri="http://schemas.microsoft.com/internal/obd"/>
+    <ds:schemaRef ds:uri="http://schemas.microsoft.com/sharepoint/v3/contenttype/forms"/>
   </ds:schemaRefs>
 </ds:datastoreItem>
 </file>
@@ -7413,9 +7600,20 @@
 </file>
 
 <file path=customXml/itemProps3.xml><?xml version="1.0" encoding="utf-8"?>
-<ds:datastoreItem xmlns:ds="http://schemas.openxmlformats.org/officeDocument/2006/customXml" ds:itemID="{927BD4C1-B6B1-4715-ABF9-E660A51A4EA0}">
+<ds:datastoreItem xmlns:ds="http://schemas.openxmlformats.org/officeDocument/2006/customXml" ds:itemID="{9DD71778-17EE-4151-88AE-C8F4E8043BD9}">
   <ds:schemaRefs>
-    <ds:schemaRef ds:uri="http://schemas.microsoft.com/sharepoint/v3/contenttype/forms"/>
+    <ds:schemaRef ds:uri="http://schemas.microsoft.com/office/2006/metadata/contentType"/>
+    <ds:schemaRef ds:uri="http://schemas.microsoft.com/office/2006/metadata/properties/metaAttributes"/>
+    <ds:schemaRef ds:uri="http://www.w3.org/2001/XMLSchema"/>
+    <ds:schemaRef ds:uri="http://schemas.microsoft.com/office/2006/metadata/properties"/>
+    <ds:schemaRef ds:uri="b30265f8-c5e2-4918-b4a1-b977299ca3e2"/>
+    <ds:schemaRef ds:uri="fadb41d3-f9cb-40fb-903c-8cacaba95bb5"/>
+    <ds:schemaRef ds:uri="http://schemas.microsoft.com/office/2006/documentManagement/types"/>
+    <ds:schemaRef ds:uri="http://schemas.microsoft.com/office/infopath/2007/PartnerControls"/>
+    <ds:schemaRef ds:uri="http://schemas.openxmlformats.org/package/2006/metadata/core-properties"/>
+    <ds:schemaRef ds:uri="http://purl.org/dc/elements/1.1/"/>
+    <ds:schemaRef ds:uri="http://purl.org/dc/terms/"/>
+    <ds:schemaRef ds:uri="http://schemas.microsoft.com/internal/obd"/>
   </ds:schemaRefs>
 </ds:datastoreItem>
 </file>